--- a/Predictive Analytics and Fraud Detection in Insurance.pptx
+++ b/Predictive Analytics and Fraud Detection in Insurance.pptx
@@ -9492,9 +9492,68 @@
               <a:rPr lang="en-US" dirty="0" smtClean="0">
                 <a:hlinkClick r:id="rId2"/>
               </a:rPr>
-              <a:t>preety1984 (RESHMEE SEETOHUL)</a:t>
+              <a:t>preety1984 (RESHMEE </a:t>
+            </a:r>
+            <a:r>
+              <a:rPr lang="en-US" dirty="0" smtClean="0">
+                <a:hlinkClick r:id="rId2"/>
+              </a:rPr>
+              <a:t>SEETOHUL)</a:t>
+            </a:r>
+            <a:r>
+              <a:rPr lang="en-US" dirty="0" smtClean="0"/>
+              <a:t>																</a:t>
+            </a:r>
+          </a:p>
+          <a:p>
+            <a:pPr>
+              <a:buNone/>
+            </a:pPr>
+            <a:endParaRPr lang="en-US" dirty="0" smtClean="0">
+              <a:hlinkClick r:id="rId3"/>
+            </a:endParaRPr>
+          </a:p>
+          <a:p>
+            <a:pPr>
+              <a:buNone/>
+            </a:pPr>
+            <a:r>
+              <a:rPr lang="en-US" dirty="0" smtClean="0">
+                <a:hlinkClick r:id="rId3"/>
+              </a:rPr>
+              <a:t>Fraud </a:t>
+            </a:r>
+            <a:r>
+              <a:rPr lang="en-US" dirty="0" smtClean="0">
+                <a:hlinkClick r:id="rId3"/>
+              </a:rPr>
+              <a:t>detection </a:t>
+            </a:r>
+            <a:r>
+              <a:rPr lang="en-US" dirty="0" smtClean="0">
+                <a:hlinkClick r:id="rId3"/>
+              </a:rPr>
+              <a:t>using </a:t>
+            </a:r>
+            <a:r>
+              <a:rPr lang="en-US" dirty="0" smtClean="0">
+                <a:hlinkClick r:id="rId3"/>
+              </a:rPr>
+              <a:t>tableau | Tableau </a:t>
+            </a:r>
+            <a:r>
+              <a:rPr lang="en-US" dirty="0" smtClean="0">
+                <a:hlinkClick r:id="rId3"/>
+              </a:rPr>
+              <a:t>Public</a:t>
             </a:r>
             <a:endParaRPr lang="en-US" dirty="0"/>
+          </a:p>
+          <a:p>
+            <a:pPr>
+              <a:buNone/>
+            </a:pPr>
+            <a:endParaRPr lang="en-US" dirty="0" smtClean="0"/>
           </a:p>
         </p:txBody>
       </p:sp>
